--- a/Slides/hydrosheds_vs_SR_v15.pptx
+++ b/Slides/hydrosheds_vs_SR_v15.pptx
@@ -5,14 +5,15 @@
     <p:sldMasterId id="2147483648" r:id="rId1"/>
   </p:sldMasterIdLst>
   <p:notesMasterIdLst>
-    <p:notesMasterId r:id="rId7"/>
+    <p:notesMasterId r:id="rId8"/>
   </p:notesMasterIdLst>
   <p:sldIdLst>
     <p:sldId id="310" r:id="rId2"/>
     <p:sldId id="346" r:id="rId3"/>
     <p:sldId id="348" r:id="rId4"/>
-    <p:sldId id="326" r:id="rId5"/>
-    <p:sldId id="349" r:id="rId6"/>
+    <p:sldId id="350" r:id="rId5"/>
+    <p:sldId id="326" r:id="rId6"/>
+    <p:sldId id="349" r:id="rId7"/>
   </p:sldIdLst>
   <p:sldSz cx="12192000" cy="6858000"/>
   <p:notesSz cx="6858000" cy="9144000"/>
@@ -201,7 +202,7 @@
           <a:p>
             <a:fld id="{B51A1AE2-D446-774A-91B6-0966651722C0}" type="datetimeFigureOut">
               <a:rPr lang="en-US" smtClean="0"/>
-              <a:t>12/19/22</a:t>
+              <a:t>1/10/23</a:t>
             </a:fld>
             <a:endParaRPr lang="en-US"/>
           </a:p>
@@ -468,6 +469,175 @@
 </p:notesMaster>
 </file>
 
+<file path=ppt/notesSlides/notesSlide1.xml><?xml version="1.0" encoding="utf-8"?>
+<p:notes xmlns:a="http://schemas.openxmlformats.org/drawingml/2006/main" xmlns:r="http://schemas.openxmlformats.org/officeDocument/2006/relationships" xmlns:p="http://schemas.openxmlformats.org/presentationml/2006/main">
+  <p:cSld>
+    <p:spTree>
+      <p:nvGrpSpPr>
+        <p:cNvPr id="1" name=""/>
+        <p:cNvGrpSpPr/>
+        <p:nvPr/>
+      </p:nvGrpSpPr>
+      <p:grpSpPr>
+        <a:xfrm>
+          <a:off x="0" y="0"/>
+          <a:ext cx="0" cy="0"/>
+          <a:chOff x="0" y="0"/>
+          <a:chExt cx="0" cy="0"/>
+        </a:xfrm>
+      </p:grpSpPr>
+      <p:sp>
+        <p:nvSpPr>
+          <p:cNvPr id="2" name="Slide Image Placeholder 1"/>
+          <p:cNvSpPr>
+            <a:spLocks noGrp="1" noRot="1" noChangeAspect="1"/>
+          </p:cNvSpPr>
+          <p:nvPr>
+            <p:ph type="sldImg"/>
+          </p:nvPr>
+        </p:nvSpPr>
+        <p:spPr/>
+      </p:sp>
+      <p:sp>
+        <p:nvSpPr>
+          <p:cNvPr id="3" name="Notes Placeholder 2"/>
+          <p:cNvSpPr>
+            <a:spLocks noGrp="1"/>
+          </p:cNvSpPr>
+          <p:nvPr>
+            <p:ph type="body" idx="1"/>
+          </p:nvPr>
+        </p:nvSpPr>
+        <p:spPr/>
+        <p:txBody>
+          <a:bodyPr/>
+          <a:lstStyle/>
+          <a:p>
+            <a:pPr marL="171450" indent="-171450">
+              <a:buFont typeface="Arial" panose="020B0604020202020204" pitchFamily="34" charset="0"/>
+              <a:buChar char="•"/>
+            </a:pPr>
+            <a:r>
+              <a:rPr lang="en-US" dirty="0"/>
+              <a:t>https://</a:t>
+            </a:r>
+            <a:r>
+              <a:rPr lang="en-US" dirty="0" err="1"/>
+              <a:t>towardsdatascience.com</a:t>
+            </a:r>
+            <a:r>
+              <a:rPr lang="en-US" dirty="0"/>
+              <a:t>/what-are-pca-loadings-and-biplots-9a7897f2e559</a:t>
+            </a:r>
+          </a:p>
+          <a:p>
+            <a:pPr marL="171450" indent="-171450">
+              <a:buFont typeface="Arial" panose="020B0604020202020204" pitchFamily="34" charset="0"/>
+              <a:buChar char="•"/>
+            </a:pPr>
+            <a:r>
+              <a:rPr lang="en-US" dirty="0"/>
+              <a:t>https://</a:t>
+            </a:r>
+            <a:r>
+              <a:rPr lang="en-US" dirty="0" err="1"/>
+              <a:t>www.frontiersin.org</a:t>
+            </a:r>
+            <a:r>
+              <a:rPr lang="en-US" dirty="0"/>
+              <a:t>/files/Articles/1003159/frwa-04-1003159-HTML/</a:t>
+            </a:r>
+            <a:r>
+              <a:rPr lang="en-US" dirty="0" err="1"/>
+              <a:t>image_m</a:t>
+            </a:r>
+            <a:r>
+              <a:rPr lang="en-US" dirty="0"/>
+              <a:t>/frwa-04-1003159-g005.jpg</a:t>
+            </a:r>
+          </a:p>
+          <a:p>
+            <a:pPr marL="171450" indent="-171450">
+              <a:buFont typeface="Arial" panose="020B0604020202020204" pitchFamily="34" charset="0"/>
+              <a:buChar char="•"/>
+            </a:pPr>
+            <a:r>
+              <a:rPr lang="en-US" dirty="0"/>
+              <a:t>https://</a:t>
+            </a:r>
+            <a:r>
+              <a:rPr lang="en-US" dirty="0" err="1"/>
+              <a:t>www.jcchouinard.com</a:t>
+            </a:r>
+            <a:r>
+              <a:rPr lang="en-US" dirty="0"/>
+              <a:t>/</a:t>
+            </a:r>
+            <a:r>
+              <a:rPr lang="en-US" dirty="0" err="1"/>
+              <a:t>pca</a:t>
+            </a:r>
+            <a:r>
+              <a:rPr lang="en-US" dirty="0"/>
+              <a:t>-with-python/</a:t>
+            </a:r>
+          </a:p>
+          <a:p>
+            <a:pPr marL="171450" indent="-171450">
+              <a:buFont typeface="Arial" panose="020B0604020202020204" pitchFamily="34" charset="0"/>
+              <a:buChar char="•"/>
+            </a:pPr>
+            <a:r>
+              <a:rPr lang="en-US" dirty="0"/>
+              <a:t>https://</a:t>
+            </a:r>
+            <a:r>
+              <a:rPr lang="en-US" dirty="0" err="1"/>
+              <a:t>stackoverflow.com</a:t>
+            </a:r>
+            <a:r>
+              <a:rPr lang="en-US" dirty="0"/>
+              <a:t>/questions/39216897/plot-pca-loadings-and-loading-in-biplot-in-sklearn-like-rs-autoplot</a:t>
+            </a:r>
+          </a:p>
+        </p:txBody>
+      </p:sp>
+      <p:sp>
+        <p:nvSpPr>
+          <p:cNvPr id="4" name="Slide Number Placeholder 3"/>
+          <p:cNvSpPr>
+            <a:spLocks noGrp="1"/>
+          </p:cNvSpPr>
+          <p:nvPr>
+            <p:ph type="sldNum" sz="quarter" idx="5"/>
+          </p:nvPr>
+        </p:nvSpPr>
+        <p:spPr/>
+        <p:txBody>
+          <a:bodyPr/>
+          <a:lstStyle/>
+          <a:p>
+            <a:fld id="{44D6F41A-3615-7947-B232-79BE6F1E2C8C}" type="slidenum">
+              <a:rPr lang="en-US" smtClean="0"/>
+              <a:t>3</a:t>
+            </a:fld>
+            <a:endParaRPr lang="en-US"/>
+          </a:p>
+        </p:txBody>
+      </p:sp>
+    </p:spTree>
+    <p:extLst>
+      <p:ext uri="{BB962C8B-B14F-4D97-AF65-F5344CB8AC3E}">
+        <p14:creationId xmlns:p14="http://schemas.microsoft.com/office/powerpoint/2010/main" val="1620215981"/>
+      </p:ext>
+    </p:extLst>
+  </p:cSld>
+  <p:clrMapOvr>
+    <a:masterClrMapping/>
+  </p:clrMapOvr>
+</p:notes>
+</file>
+
 <file path=ppt/slideLayouts/slideLayout1.xml><?xml version="1.0" encoding="utf-8"?>
 <p:sldLayout xmlns:a="http://schemas.openxmlformats.org/drawingml/2006/main" xmlns:r="http://schemas.openxmlformats.org/officeDocument/2006/relationships" xmlns:p="http://schemas.openxmlformats.org/presentationml/2006/main" type="title" preserve="1">
   <p:cSld name="Title Slide">
@@ -615,7 +785,7 @@
           <a:p>
             <a:fld id="{DB3DA513-DE4B-3447-9F45-93A1538434A8}" type="datetimeFigureOut">
               <a:rPr lang="en-US" smtClean="0"/>
-              <a:t>12/19/22</a:t>
+              <a:t>1/10/23</a:t>
             </a:fld>
             <a:endParaRPr lang="en-US"/>
           </a:p>
@@ -813,7 +983,7 @@
           <a:p>
             <a:fld id="{DB3DA513-DE4B-3447-9F45-93A1538434A8}" type="datetimeFigureOut">
               <a:rPr lang="en-US" smtClean="0"/>
-              <a:t>12/19/22</a:t>
+              <a:t>1/10/23</a:t>
             </a:fld>
             <a:endParaRPr lang="en-US"/>
           </a:p>
@@ -1021,7 +1191,7 @@
           <a:p>
             <a:fld id="{DB3DA513-DE4B-3447-9F45-93A1538434A8}" type="datetimeFigureOut">
               <a:rPr lang="en-US" smtClean="0"/>
-              <a:t>12/19/22</a:t>
+              <a:t>1/10/23</a:t>
             </a:fld>
             <a:endParaRPr lang="en-US"/>
           </a:p>
@@ -1219,7 +1389,7 @@
           <a:p>
             <a:fld id="{DB3DA513-DE4B-3447-9F45-93A1538434A8}" type="datetimeFigureOut">
               <a:rPr lang="en-US" smtClean="0"/>
-              <a:t>12/19/22</a:t>
+              <a:t>1/10/23</a:t>
             </a:fld>
             <a:endParaRPr lang="en-US"/>
           </a:p>
@@ -1494,7 +1664,7 @@
           <a:p>
             <a:fld id="{DB3DA513-DE4B-3447-9F45-93A1538434A8}" type="datetimeFigureOut">
               <a:rPr lang="en-US" smtClean="0"/>
-              <a:t>12/19/22</a:t>
+              <a:t>1/10/23</a:t>
             </a:fld>
             <a:endParaRPr lang="en-US"/>
           </a:p>
@@ -1759,7 +1929,7 @@
           <a:p>
             <a:fld id="{DB3DA513-DE4B-3447-9F45-93A1538434A8}" type="datetimeFigureOut">
               <a:rPr lang="en-US" smtClean="0"/>
-              <a:t>12/19/22</a:t>
+              <a:t>1/10/23</a:t>
             </a:fld>
             <a:endParaRPr lang="en-US"/>
           </a:p>
@@ -2171,7 +2341,7 @@
           <a:p>
             <a:fld id="{DB3DA513-DE4B-3447-9F45-93A1538434A8}" type="datetimeFigureOut">
               <a:rPr lang="en-US" smtClean="0"/>
-              <a:t>12/19/22</a:t>
+              <a:t>1/10/23</a:t>
             </a:fld>
             <a:endParaRPr lang="en-US"/>
           </a:p>
@@ -2312,7 +2482,7 @@
           <a:p>
             <a:fld id="{DB3DA513-DE4B-3447-9F45-93A1538434A8}" type="datetimeFigureOut">
               <a:rPr lang="en-US" smtClean="0"/>
-              <a:t>12/19/22</a:t>
+              <a:t>1/10/23</a:t>
             </a:fld>
             <a:endParaRPr lang="en-US"/>
           </a:p>
@@ -2425,7 +2595,7 @@
           <a:p>
             <a:fld id="{DB3DA513-DE4B-3447-9F45-93A1538434A8}" type="datetimeFigureOut">
               <a:rPr lang="en-US" smtClean="0"/>
-              <a:t>12/19/22</a:t>
+              <a:t>1/10/23</a:t>
             </a:fld>
             <a:endParaRPr lang="en-US"/>
           </a:p>
@@ -2736,7 +2906,7 @@
           <a:p>
             <a:fld id="{DB3DA513-DE4B-3447-9F45-93A1538434A8}" type="datetimeFigureOut">
               <a:rPr lang="en-US" smtClean="0"/>
-              <a:t>12/19/22</a:t>
+              <a:t>1/10/23</a:t>
             </a:fld>
             <a:endParaRPr lang="en-US"/>
           </a:p>
@@ -3024,7 +3194,7 @@
           <a:p>
             <a:fld id="{DB3DA513-DE4B-3447-9F45-93A1538434A8}" type="datetimeFigureOut">
               <a:rPr lang="en-US" smtClean="0"/>
-              <a:t>12/19/22</a:t>
+              <a:t>1/10/23</a:t>
             </a:fld>
             <a:endParaRPr lang="en-US"/>
           </a:p>
@@ -3265,7 +3435,7 @@
           <a:p>
             <a:fld id="{DB3DA513-DE4B-3447-9F45-93A1538434A8}" type="datetimeFigureOut">
               <a:rPr lang="en-US" smtClean="0"/>
-              <a:t>12/19/22</a:t>
+              <a:t>1/10/23</a:t>
             </a:fld>
             <a:endParaRPr lang="en-US"/>
           </a:p>
@@ -3705,7 +3875,7 @@
           <a:p>
             <a:r>
               <a:rPr lang="en-US" dirty="0"/>
-              <a:t>Discussion items – Dec-20</a:t>
+              <a:t>Discussion items – Jan-10</a:t>
             </a:r>
             <a:r>
               <a:rPr lang="en-US" baseline="30000" dirty="0"/>
@@ -4471,6 +4641,78 @@
         </p:spPr>
         <p:txBody>
           <a:bodyPr>
+            <a:normAutofit/>
+          </a:bodyPr>
+          <a:lstStyle/>
+          <a:p>
+            <a:r>
+              <a:rPr lang="en-US" dirty="0"/>
+              <a:t>PCA analysis</a:t>
+            </a:r>
+            <a:br>
+              <a:rPr lang="en-US" dirty="0"/>
+            </a:br>
+            <a:r>
+              <a:rPr lang="en-US" dirty="0"/>
+              <a:t>(biplots)</a:t>
+            </a:r>
+          </a:p>
+        </p:txBody>
+      </p:sp>
+    </p:spTree>
+    <p:extLst>
+      <p:ext uri="{BB962C8B-B14F-4D97-AF65-F5344CB8AC3E}">
+        <p14:creationId xmlns:p14="http://schemas.microsoft.com/office/powerpoint/2010/main" val="1038717973"/>
+      </p:ext>
+    </p:extLst>
+  </p:cSld>
+  <p:clrMapOvr>
+    <a:masterClrMapping/>
+  </p:clrMapOvr>
+</p:sld>
+</file>
+
+<file path=ppt/slides/slide4.xml><?xml version="1.0" encoding="utf-8"?>
+<p:sld xmlns:a="http://schemas.openxmlformats.org/drawingml/2006/main" xmlns:r="http://schemas.openxmlformats.org/officeDocument/2006/relationships" xmlns:p="http://schemas.openxmlformats.org/presentationml/2006/main">
+  <p:cSld>
+    <p:spTree>
+      <p:nvGrpSpPr>
+        <p:cNvPr id="1" name=""/>
+        <p:cNvGrpSpPr/>
+        <p:nvPr/>
+      </p:nvGrpSpPr>
+      <p:grpSpPr>
+        <a:xfrm>
+          <a:off x="0" y="0"/>
+          <a:ext cx="0" cy="0"/>
+          <a:chOff x="0" y="0"/>
+          <a:chExt cx="0" cy="0"/>
+        </a:xfrm>
+      </p:grpSpPr>
+      <p:sp>
+        <p:nvSpPr>
+          <p:cNvPr id="2" name="Title 1">
+            <a:extLst>
+              <a:ext uri="{FF2B5EF4-FFF2-40B4-BE49-F238E27FC236}">
+                <a16:creationId xmlns:a16="http://schemas.microsoft.com/office/drawing/2014/main" id="{78E5F813-CE60-B792-864C-FB7790EDED7C}"/>
+              </a:ext>
+            </a:extLst>
+          </p:cNvPr>
+          <p:cNvSpPr>
+            <a:spLocks noGrp="1"/>
+          </p:cNvSpPr>
+          <p:nvPr>
+            <p:ph type="title"/>
+          </p:nvPr>
+        </p:nvSpPr>
+        <p:spPr>
+          <a:xfrm>
+            <a:off x="370389" y="365126"/>
+            <a:ext cx="4294207" cy="1590996"/>
+          </a:xfrm>
+        </p:spPr>
+        <p:txBody>
+          <a:bodyPr>
             <a:normAutofit fontScale="90000"/>
           </a:bodyPr>
           <a:lstStyle/>
@@ -4522,7 +4764,7 @@
     </p:spTree>
     <p:extLst>
       <p:ext uri="{BB962C8B-B14F-4D97-AF65-F5344CB8AC3E}">
-        <p14:creationId xmlns:p14="http://schemas.microsoft.com/office/powerpoint/2010/main" val="1038717973"/>
+        <p14:creationId xmlns:p14="http://schemas.microsoft.com/office/powerpoint/2010/main" val="874817421"/>
       </p:ext>
     </p:extLst>
   </p:cSld>
@@ -4532,7 +4774,7 @@
 </p:sld>
 </file>
 
-<file path=ppt/slides/slide4.xml><?xml version="1.0" encoding="utf-8"?>
+<file path=ppt/slides/slide5.xml><?xml version="1.0" encoding="utf-8"?>
 <p:sld xmlns:a="http://schemas.openxmlformats.org/drawingml/2006/main" xmlns:r="http://schemas.openxmlformats.org/officeDocument/2006/relationships" xmlns:p="http://schemas.openxmlformats.org/presentationml/2006/main">
   <p:cSld>
     <p:spTree>
@@ -4692,7 +4934,7 @@
 </p:sld>
 </file>
 
-<file path=ppt/slides/slide5.xml><?xml version="1.0" encoding="utf-8"?>
+<file path=ppt/slides/slide6.xml><?xml version="1.0" encoding="utf-8"?>
 <p:sld xmlns:a="http://schemas.openxmlformats.org/drawingml/2006/main" xmlns:r="http://schemas.openxmlformats.org/officeDocument/2006/relationships" xmlns:p="http://schemas.openxmlformats.org/presentationml/2006/main">
   <p:cSld>
     <p:spTree>
